--- a/database/slides/CHRIST_BECAME_OBEDIENT_UNTO_DEATH_ON_THE_CROSS.pptx
+++ b/database/slides/CHRIST_BECAME_OBEDIENT_UNTO_DEATH_ON_THE_CROSS.pptx
@@ -15493,7 +15493,23 @@
                   <a:schemeClr val="lt1"/>
                 </a:solidFill>
               </a:rPr>
-              <a:t>Christ became obedient unto death on the cross of us</a:t>
+              <a:t>Christ became obedient unto death on the </a:t>
+            </a:r>
+            <a:r>
+              <a:rPr lang="en-GB" sz="3800" b="1">
+                <a:solidFill>
+                  <a:schemeClr val="lt1"/>
+                </a:solidFill>
+              </a:rPr>
+              <a:t>cross for </a:t>
+            </a:r>
+            <a:r>
+              <a:rPr lang="en-GB" sz="3800" b="1" dirty="0">
+                <a:solidFill>
+                  <a:schemeClr val="lt1"/>
+                </a:solidFill>
+              </a:rPr>
+              <a:t>us</a:t>
             </a:r>
           </a:p>
           <a:p>
